--- a/escrita/resumos/SIA-2022/SIA-UFV-2022.pptx
+++ b/escrita/resumos/SIA-2022/SIA-UFV-2022.pptx
@@ -243,7 +243,7 @@
           <a:p>
             <a:fld id="{F874DBAF-D395-4A10-84EF-2839F74D3707}" type="datetimeFigureOut">
               <a:rPr lang="pt-BR" smtClean="0"/>
-              <a:t>14/09/2022</a:t>
+              <a:t>26/09/2022</a:t>
             </a:fld>
             <a:endParaRPr lang="pt-BR"/>
           </a:p>
@@ -413,7 +413,7 @@
           <a:p>
             <a:fld id="{F874DBAF-D395-4A10-84EF-2839F74D3707}" type="datetimeFigureOut">
               <a:rPr lang="pt-BR" smtClean="0"/>
-              <a:t>14/09/2022</a:t>
+              <a:t>26/09/2022</a:t>
             </a:fld>
             <a:endParaRPr lang="pt-BR"/>
           </a:p>
@@ -593,7 +593,7 @@
           <a:p>
             <a:fld id="{F874DBAF-D395-4A10-84EF-2839F74D3707}" type="datetimeFigureOut">
               <a:rPr lang="pt-BR" smtClean="0"/>
-              <a:t>14/09/2022</a:t>
+              <a:t>26/09/2022</a:t>
             </a:fld>
             <a:endParaRPr lang="pt-BR"/>
           </a:p>
@@ -763,7 +763,7 @@
           <a:p>
             <a:fld id="{F874DBAF-D395-4A10-84EF-2839F74D3707}" type="datetimeFigureOut">
               <a:rPr lang="pt-BR" smtClean="0"/>
-              <a:t>14/09/2022</a:t>
+              <a:t>26/09/2022</a:t>
             </a:fld>
             <a:endParaRPr lang="pt-BR"/>
           </a:p>
@@ -1007,7 +1007,7 @@
           <a:p>
             <a:fld id="{F874DBAF-D395-4A10-84EF-2839F74D3707}" type="datetimeFigureOut">
               <a:rPr lang="pt-BR" smtClean="0"/>
-              <a:t>14/09/2022</a:t>
+              <a:t>26/09/2022</a:t>
             </a:fld>
             <a:endParaRPr lang="pt-BR"/>
           </a:p>
@@ -1239,7 +1239,7 @@
           <a:p>
             <a:fld id="{F874DBAF-D395-4A10-84EF-2839F74D3707}" type="datetimeFigureOut">
               <a:rPr lang="pt-BR" smtClean="0"/>
-              <a:t>14/09/2022</a:t>
+              <a:t>26/09/2022</a:t>
             </a:fld>
             <a:endParaRPr lang="pt-BR"/>
           </a:p>
@@ -1606,7 +1606,7 @@
           <a:p>
             <a:fld id="{F874DBAF-D395-4A10-84EF-2839F74D3707}" type="datetimeFigureOut">
               <a:rPr lang="pt-BR" smtClean="0"/>
-              <a:t>14/09/2022</a:t>
+              <a:t>26/09/2022</a:t>
             </a:fld>
             <a:endParaRPr lang="pt-BR"/>
           </a:p>
@@ -1724,7 +1724,7 @@
           <a:p>
             <a:fld id="{F874DBAF-D395-4A10-84EF-2839F74D3707}" type="datetimeFigureOut">
               <a:rPr lang="pt-BR" smtClean="0"/>
-              <a:t>14/09/2022</a:t>
+              <a:t>26/09/2022</a:t>
             </a:fld>
             <a:endParaRPr lang="pt-BR"/>
           </a:p>
@@ -1819,7 +1819,7 @@
           <a:p>
             <a:fld id="{F874DBAF-D395-4A10-84EF-2839F74D3707}" type="datetimeFigureOut">
               <a:rPr lang="pt-BR" smtClean="0"/>
-              <a:t>14/09/2022</a:t>
+              <a:t>26/09/2022</a:t>
             </a:fld>
             <a:endParaRPr lang="pt-BR"/>
           </a:p>
@@ -2096,7 +2096,7 @@
           <a:p>
             <a:fld id="{F874DBAF-D395-4A10-84EF-2839F74D3707}" type="datetimeFigureOut">
               <a:rPr lang="pt-BR" smtClean="0"/>
-              <a:t>14/09/2022</a:t>
+              <a:t>26/09/2022</a:t>
             </a:fld>
             <a:endParaRPr lang="pt-BR"/>
           </a:p>
@@ -2353,7 +2353,7 @@
           <a:p>
             <a:fld id="{F874DBAF-D395-4A10-84EF-2839F74D3707}" type="datetimeFigureOut">
               <a:rPr lang="pt-BR" smtClean="0"/>
-              <a:t>14/09/2022</a:t>
+              <a:t>26/09/2022</a:t>
             </a:fld>
             <a:endParaRPr lang="pt-BR"/>
           </a:p>
@@ -2566,7 +2566,7 @@
           <a:p>
             <a:fld id="{F874DBAF-D395-4A10-84EF-2839F74D3707}" type="datetimeFigureOut">
               <a:rPr lang="pt-BR" smtClean="0"/>
-              <a:t>14/09/2022</a:t>
+              <a:t>26/09/2022</a:t>
             </a:fld>
             <a:endParaRPr lang="pt-BR"/>
           </a:p>
@@ -2999,8 +2999,8 @@
         </p:nvSpPr>
         <p:spPr>
           <a:xfrm>
-            <a:off x="3192412" y="6318133"/>
-            <a:ext cx="26032746" cy="1200329"/>
+            <a:off x="2816450" y="6608448"/>
+            <a:ext cx="25633680" cy="1200329"/>
           </a:xfrm>
           <a:prstGeom prst="rect">
             <a:avLst/>
@@ -3037,8 +3037,8 @@
         </p:nvSpPr>
         <p:spPr>
           <a:xfrm>
-            <a:off x="4097748" y="7821477"/>
-            <a:ext cx="24866500" cy="1754326"/>
+            <a:off x="3362616" y="8209664"/>
+            <a:ext cx="25087514" cy="2308324"/>
           </a:xfrm>
           <a:prstGeom prst="rect">
             <a:avLst/>
@@ -3086,29 +3086,23 @@
               <a:rPr lang="pt-BR" sz="3600" b="1" dirty="0">
                 <a:latin typeface="Book Antiqua" panose="02040602050305030304" pitchFamily="18" charset="0"/>
               </a:rPr>
-              <a:t> Lisboa </a:t>
-            </a:r>
-            <a:r>
-              <a:rPr lang="pt-BR" sz="3600" b="1">
-                <a:latin typeface="Book Antiqua" panose="02040602050305030304" pitchFamily="18" charset="0"/>
-              </a:rPr>
-              <a:t>Filho – </a:t>
-            </a:r>
-            <a:r>
-              <a:rPr lang="pt-BR" sz="3600" b="1" dirty="0">
-                <a:latin typeface="Book Antiqua" panose="02040602050305030304" pitchFamily="18" charset="0"/>
-              </a:rPr>
-              <a:t>Departamento de Informática – jugurta@ufv.br</a:t>
-            </a:r>
-          </a:p>
-        </p:txBody>
-      </p:sp>
-      <p:sp>
-        <p:nvSpPr>
-          <p:cNvPr id="8" name="CaixaDeTexto 7">
+              <a:t> Lisboa Filho – Departamento de Informática – jugurta@ufv.br</a:t>
+            </a:r>
+          </a:p>
+          <a:p>
+            <a:pPr algn="ctr"/>
+            <a:endParaRPr lang="pt-BR" sz="3600" b="1" dirty="0">
+              <a:latin typeface="Book Antiqua" panose="02040602050305030304" pitchFamily="18" charset="0"/>
+            </a:endParaRPr>
+          </a:p>
+        </p:txBody>
+      </p:sp>
+      <p:sp>
+        <p:nvSpPr>
+          <p:cNvPr id="9" name="CaixaDeTexto 8">
             <a:extLst>
               <a:ext uri="{FF2B5EF4-FFF2-40B4-BE49-F238E27FC236}">
-                <a16:creationId xmlns:a16="http://schemas.microsoft.com/office/drawing/2014/main" id="{126FF287-295F-4ACA-964B-C8F5600292EE}"/>
+                <a16:creationId xmlns:a16="http://schemas.microsoft.com/office/drawing/2014/main" id="{19605A57-5C28-4CBA-8E30-2A67DD84DE74}"/>
               </a:ext>
             </a:extLst>
           </p:cNvPr>
@@ -3117,8 +3111,8 @@
         </p:nvSpPr>
         <p:spPr>
           <a:xfrm>
-            <a:off x="7819344" y="9827165"/>
-            <a:ext cx="16778952" cy="1754326"/>
+            <a:off x="6471872" y="10137515"/>
+            <a:ext cx="19460307" cy="2308324"/>
           </a:xfrm>
           <a:prstGeom prst="rect">
             <a:avLst/>
@@ -3126,7 +3120,7 @@
           <a:noFill/>
         </p:spPr>
         <p:txBody>
-          <a:bodyPr wrap="none" rtlCol="0">
+          <a:bodyPr wrap="square" rtlCol="0">
             <a:spAutoFit/>
           </a:bodyPr>
           <a:lstStyle/>
@@ -3156,6 +3150,12 @@
               </a:rPr>
               <a:t>Sistemas de Informação Geográfica; Mineração de Dados; Bacias Hidrográficas</a:t>
             </a:r>
+          </a:p>
+          <a:p>
+            <a:pPr algn="ctr"/>
+            <a:endParaRPr lang="pt-BR" sz="3600" b="1" dirty="0">
+              <a:latin typeface="Book Antiqua" panose="02040602050305030304" pitchFamily="18" charset="0"/>
+            </a:endParaRPr>
           </a:p>
         </p:txBody>
       </p:sp>
@@ -3173,8 +3173,8 @@
         </p:nvSpPr>
         <p:spPr>
           <a:xfrm>
-            <a:off x="3192412" y="12904436"/>
-            <a:ext cx="12447638" cy="5632311"/>
+            <a:off x="3185652" y="13109596"/>
+            <a:ext cx="12447638" cy="6186309"/>
           </a:xfrm>
           <a:prstGeom prst="rect">
             <a:avLst/>
@@ -3187,6 +3187,7 @@
           </a:bodyPr>
           <a:lstStyle/>
           <a:p>
+            <a:pPr algn="just"/>
             <a:r>
               <a:rPr lang="pt-BR" sz="3600" dirty="0">
                 <a:effectLst/>
@@ -3196,6 +3197,9 @@
               </a:rPr>
               <a:t>	Desastres ambientais, como o rompimento de barragens, causam impactos que vão muito além da área de ocorrência. Da região de origem até a sua chegada ao mar, os resíduos podem causam tanto impactos ambientais quanto econômicos. Do desastre da barragem de Fundão, em Mariana (MG), por exemplo, estima-se que as prefeituras das áreas envolvidas terão que gastar cerca de R$150 milhões para a recuperação das localidades. Além disso, o impacto ambiental é incalculável, uma vez que em contato com os rios, os rejeitos causam o desequilíbrio daquele ecossistema. </a:t>
             </a:r>
+            <a:endParaRPr lang="pt-BR" sz="3600" dirty="0"/>
+          </a:p>
+          <a:p>
             <a:endParaRPr lang="pt-BR" sz="3600" dirty="0"/>
           </a:p>
         </p:txBody>
@@ -3214,8 +3218,8 @@
         </p:nvSpPr>
         <p:spPr>
           <a:xfrm>
-            <a:off x="16658073" y="12870519"/>
-            <a:ext cx="12447638" cy="3622787"/>
+            <a:off x="16723051" y="13161611"/>
+            <a:ext cx="12447638" cy="3970318"/>
           </a:xfrm>
           <a:prstGeom prst="rect">
             <a:avLst/>
@@ -3228,14 +3232,7 @@
           </a:bodyPr>
           <a:lstStyle/>
           <a:p>
-            <a:pPr indent="449580">
-              <a:lnSpc>
-                <a:spcPct val="107000"/>
-              </a:lnSpc>
-              <a:spcAft>
-                <a:spcPts val="800"/>
-              </a:spcAft>
-            </a:pPr>
+            <a:pPr algn="just"/>
             <a:r>
               <a:rPr lang="pt-BR" sz="3600" dirty="0">
                 <a:effectLst/>
@@ -3243,8 +3240,11 @@
                 <a:ea typeface="Calibri" panose="020F0502020204030204" pitchFamily="34" charset="0"/>
                 <a:cs typeface="Times New Roman" panose="02020603050405020304" pitchFamily="18" charset="0"/>
               </a:rPr>
-              <a:t>Utilizando técnicas adequadas, foi possível aplicar o KDD a fim de agrupar cidades próximas às bacias hidrográficas, possibilitando assim a geração desses grupos de cidades. Com isso, estabeleceu-se uma metodologia que foi utilizada em uma base de dados formada com dados públicos e de distintas fontes, garantindo o caráter heterogêneo deles. </a:t>
-            </a:r>
+              <a:t>	Utilizando técnicas adequadas, foi possível aplicar o KDD a fim de agrupar cidades próximas às bacias hidrográficas, possibilitando assim a geração desses grupos de cidades. Com isso, estabeleceu-se uma metodologia que foi utilizada em uma base de dados formada com dados públicos e de distintas fontes, garantindo o caráter heterogêneo deles. </a:t>
+            </a:r>
+          </a:p>
+          <a:p>
+            <a:endParaRPr lang="pt-BR" sz="3600" dirty="0"/>
           </a:p>
         </p:txBody>
       </p:sp>
@@ -3262,7 +3262,7 @@
         </p:nvSpPr>
         <p:spPr>
           <a:xfrm>
-            <a:off x="3185652" y="19791776"/>
+            <a:off x="3298339" y="19957262"/>
             <a:ext cx="12447638" cy="2308324"/>
           </a:xfrm>
           <a:prstGeom prst="rect">
@@ -3276,6 +3276,7 @@
           </a:bodyPr>
           <a:lstStyle/>
           <a:p>
+            <a:pPr algn="just"/>
             <a:r>
               <a:rPr lang="pt-BR" sz="3600" dirty="0">
                 <a:effectLst/>
@@ -3303,8 +3304,8 @@
         </p:nvSpPr>
         <p:spPr>
           <a:xfrm>
-            <a:off x="16770760" y="19399520"/>
-            <a:ext cx="12447638" cy="5401159"/>
+            <a:off x="16658073" y="17681971"/>
+            <a:ext cx="12447638" cy="5632311"/>
           </a:xfrm>
           <a:prstGeom prst="rect">
             <a:avLst/>
@@ -3317,14 +3318,7 @@
           </a:bodyPr>
           <a:lstStyle/>
           <a:p>
-            <a:pPr indent="449580">
-              <a:lnSpc>
-                <a:spcPct val="107000"/>
-              </a:lnSpc>
-              <a:spcAft>
-                <a:spcPts val="800"/>
-              </a:spcAft>
-            </a:pPr>
+            <a:pPr algn="just"/>
             <a:r>
               <a:rPr lang="pt-BR" sz="3600" dirty="0">
                 <a:effectLst/>
@@ -3332,7 +3326,7 @@
                 <a:ea typeface="Calibri" panose="020F0502020204030204" pitchFamily="34" charset="0"/>
                 <a:cs typeface="Times New Roman" panose="02020603050405020304" pitchFamily="18" charset="0"/>
               </a:rPr>
-              <a:t>Dessa forma, implementou-se um </a:t>
+              <a:t>	Dessa forma, implementou-se um </a:t>
             </a:r>
             <a:r>
               <a:rPr lang="pt-BR" sz="3600" dirty="0">
@@ -3370,14 +3364,17 @@
               <a:t>, evitando quaisquer formas de custos futuros e possibilitando a liberdade para personalizar a ferramenta conforme as necessidades de cada usuário. Como trabalhos futuros, planeja-se tornar o sistema dinâmico, interagindo assim com quaisquer dados de entrada do usuário, permitindo a seleção dos atributos para agrupamento conforme o grau de importância para o problema, além de tornar visível as principais informações de cada agrupamento.</a:t>
             </a:r>
           </a:p>
-        </p:txBody>
-      </p:sp>
-      <p:sp>
-        <p:nvSpPr>
-          <p:cNvPr id="14" name="CaixaDeTexto 13">
+          <a:p>
+            <a:endParaRPr lang="pt-BR" sz="3600" dirty="0"/>
+          </a:p>
+        </p:txBody>
+      </p:sp>
+      <p:sp>
+        <p:nvSpPr>
+          <p:cNvPr id="15" name="CaixaDeTexto 14">
             <a:extLst>
               <a:ext uri="{FF2B5EF4-FFF2-40B4-BE49-F238E27FC236}">
-                <a16:creationId xmlns:a16="http://schemas.microsoft.com/office/drawing/2014/main" id="{5D606ACA-0BA8-452A-BC93-DDC3E6A47EAB}"/>
+                <a16:creationId xmlns:a16="http://schemas.microsoft.com/office/drawing/2014/main" id="{99ACB205-9BA1-422D-A28C-4FA31EC0F228}"/>
               </a:ext>
             </a:extLst>
           </p:cNvPr>
@@ -3386,8 +3383,8 @@
         </p:nvSpPr>
         <p:spPr>
           <a:xfrm>
-            <a:off x="3192412" y="25902036"/>
-            <a:ext cx="12447638" cy="5401159"/>
+            <a:off x="16658075" y="25018467"/>
+            <a:ext cx="12447638" cy="646331"/>
           </a:xfrm>
           <a:prstGeom prst="rect">
             <a:avLst/>
@@ -3400,211 +3397,7 @@
           </a:bodyPr>
           <a:lstStyle/>
           <a:p>
-            <a:pPr indent="449580">
-              <a:lnSpc>
-                <a:spcPct val="107000"/>
-              </a:lnSpc>
-              <a:spcAft>
-                <a:spcPts val="800"/>
-              </a:spcAft>
-            </a:pPr>
-            <a:r>
-              <a:rPr lang="pt-BR" sz="3600" dirty="0">
-                <a:effectLst/>
-                <a:latin typeface="Calibri" panose="020F0502020204030204" pitchFamily="34" charset="0"/>
-                <a:ea typeface="Calibri" panose="020F0502020204030204" pitchFamily="34" charset="0"/>
-                <a:cs typeface="Times New Roman" panose="02020603050405020304" pitchFamily="18" charset="0"/>
-              </a:rPr>
-              <a:t>O </a:t>
-            </a:r>
-            <a:r>
-              <a:rPr lang="pt-BR" sz="3600" dirty="0">
-                <a:latin typeface="Calibri" panose="020F0502020204030204" pitchFamily="34" charset="0"/>
-                <a:ea typeface="Calibri" panose="020F0502020204030204" pitchFamily="34" charset="0"/>
-                <a:cs typeface="Times New Roman" panose="02020603050405020304" pitchFamily="18" charset="0"/>
-              </a:rPr>
-              <a:t>s</a:t>
-            </a:r>
-            <a:r>
-              <a:rPr lang="pt-BR" sz="3600" dirty="0">
-                <a:effectLst/>
-                <a:latin typeface="Calibri" panose="020F0502020204030204" pitchFamily="34" charset="0"/>
-                <a:ea typeface="Calibri" panose="020F0502020204030204" pitchFamily="34" charset="0"/>
-                <a:cs typeface="Times New Roman" panose="02020603050405020304" pitchFamily="18" charset="0"/>
-              </a:rPr>
-              <a:t>istema proposto reflete a metodologia criada, sendo desenvolvido utilizando a linguagem de marcação </a:t>
-            </a:r>
-            <a:r>
-              <a:rPr lang="pt-BR" sz="3600" i="1" dirty="0" err="1">
-                <a:effectLst/>
-                <a:latin typeface="Calibri" panose="020F0502020204030204" pitchFamily="34" charset="0"/>
-                <a:ea typeface="Calibri" panose="020F0502020204030204" pitchFamily="34" charset="0"/>
-                <a:cs typeface="Times New Roman" panose="02020603050405020304" pitchFamily="18" charset="0"/>
-              </a:rPr>
-              <a:t>HyperText</a:t>
-            </a:r>
-            <a:r>
-              <a:rPr lang="pt-BR" sz="3600" i="1" dirty="0">
-                <a:effectLst/>
-                <a:latin typeface="Calibri" panose="020F0502020204030204" pitchFamily="34" charset="0"/>
-                <a:ea typeface="Calibri" panose="020F0502020204030204" pitchFamily="34" charset="0"/>
-                <a:cs typeface="Times New Roman" panose="02020603050405020304" pitchFamily="18" charset="0"/>
-              </a:rPr>
-              <a:t> Markup </a:t>
-            </a:r>
-            <a:r>
-              <a:rPr lang="pt-BR" sz="3600" i="1" dirty="0" err="1">
-                <a:effectLst/>
-                <a:latin typeface="Calibri" panose="020F0502020204030204" pitchFamily="34" charset="0"/>
-                <a:ea typeface="Calibri" panose="020F0502020204030204" pitchFamily="34" charset="0"/>
-                <a:cs typeface="Times New Roman" panose="02020603050405020304" pitchFamily="18" charset="0"/>
-              </a:rPr>
-              <a:t>Language</a:t>
-            </a:r>
-            <a:r>
-              <a:rPr lang="pt-BR" sz="3600" dirty="0">
-                <a:effectLst/>
-                <a:latin typeface="Calibri" panose="020F0502020204030204" pitchFamily="34" charset="0"/>
-                <a:ea typeface="Calibri" panose="020F0502020204030204" pitchFamily="34" charset="0"/>
-                <a:cs typeface="Times New Roman" panose="02020603050405020304" pitchFamily="18" charset="0"/>
-              </a:rPr>
-              <a:t> (HTML), a linguagem de estilo </a:t>
-            </a:r>
-            <a:r>
-              <a:rPr lang="pt-BR" sz="3600" i="1" dirty="0" err="1">
-                <a:effectLst/>
-                <a:latin typeface="Calibri" panose="020F0502020204030204" pitchFamily="34" charset="0"/>
-                <a:ea typeface="Calibri" panose="020F0502020204030204" pitchFamily="34" charset="0"/>
-                <a:cs typeface="Times New Roman" panose="02020603050405020304" pitchFamily="18" charset="0"/>
-              </a:rPr>
-              <a:t>Cascading</a:t>
-            </a:r>
-            <a:r>
-              <a:rPr lang="pt-BR" sz="3600" i="1" dirty="0">
-                <a:effectLst/>
-                <a:latin typeface="Calibri" panose="020F0502020204030204" pitchFamily="34" charset="0"/>
-                <a:ea typeface="Calibri" panose="020F0502020204030204" pitchFamily="34" charset="0"/>
-                <a:cs typeface="Times New Roman" panose="02020603050405020304" pitchFamily="18" charset="0"/>
-              </a:rPr>
-              <a:t> </a:t>
-            </a:r>
-            <a:r>
-              <a:rPr lang="pt-BR" sz="3600" i="1" dirty="0" err="1">
-                <a:effectLst/>
-                <a:latin typeface="Calibri" panose="020F0502020204030204" pitchFamily="34" charset="0"/>
-                <a:ea typeface="Calibri" panose="020F0502020204030204" pitchFamily="34" charset="0"/>
-                <a:cs typeface="Times New Roman" panose="02020603050405020304" pitchFamily="18" charset="0"/>
-              </a:rPr>
-              <a:t>Style</a:t>
-            </a:r>
-            <a:r>
-              <a:rPr lang="pt-BR" sz="3600" i="1" dirty="0">
-                <a:effectLst/>
-                <a:latin typeface="Calibri" panose="020F0502020204030204" pitchFamily="34" charset="0"/>
-                <a:ea typeface="Calibri" panose="020F0502020204030204" pitchFamily="34" charset="0"/>
-                <a:cs typeface="Times New Roman" panose="02020603050405020304" pitchFamily="18" charset="0"/>
-              </a:rPr>
-              <a:t> </a:t>
-            </a:r>
-            <a:r>
-              <a:rPr lang="pt-BR" sz="3600" i="1" dirty="0" err="1">
-                <a:effectLst/>
-                <a:latin typeface="Calibri" panose="020F0502020204030204" pitchFamily="34" charset="0"/>
-                <a:ea typeface="Calibri" panose="020F0502020204030204" pitchFamily="34" charset="0"/>
-                <a:cs typeface="Times New Roman" panose="02020603050405020304" pitchFamily="18" charset="0"/>
-              </a:rPr>
-              <a:t>Sheets</a:t>
-            </a:r>
-            <a:r>
-              <a:rPr lang="pt-BR" sz="3600" dirty="0">
-                <a:effectLst/>
-                <a:latin typeface="Calibri" panose="020F0502020204030204" pitchFamily="34" charset="0"/>
-                <a:ea typeface="Calibri" panose="020F0502020204030204" pitchFamily="34" charset="0"/>
-                <a:cs typeface="Times New Roman" panose="02020603050405020304" pitchFamily="18" charset="0"/>
-              </a:rPr>
-              <a:t> (CSS) e as linguagens de programação </a:t>
-            </a:r>
-            <a:r>
-              <a:rPr lang="pt-BR" sz="3600" dirty="0" err="1">
-                <a:effectLst/>
-                <a:latin typeface="Calibri" panose="020F0502020204030204" pitchFamily="34" charset="0"/>
-                <a:ea typeface="Calibri" panose="020F0502020204030204" pitchFamily="34" charset="0"/>
-                <a:cs typeface="Times New Roman" panose="02020603050405020304" pitchFamily="18" charset="0"/>
-              </a:rPr>
-              <a:t>JavaScript</a:t>
-            </a:r>
-            <a:r>
-              <a:rPr lang="pt-BR" sz="3600" dirty="0">
-                <a:effectLst/>
-                <a:latin typeface="Calibri" panose="020F0502020204030204" pitchFamily="34" charset="0"/>
-                <a:ea typeface="Calibri" panose="020F0502020204030204" pitchFamily="34" charset="0"/>
-                <a:cs typeface="Times New Roman" panose="02020603050405020304" pitchFamily="18" charset="0"/>
-              </a:rPr>
-              <a:t> e Python. Além das tecnologias citadas, destaca-se também o uso da biblioteca gráfica </a:t>
-            </a:r>
-            <a:r>
-              <a:rPr lang="pt-BR" sz="3600" i="1" dirty="0" err="1">
-                <a:effectLst/>
-                <a:latin typeface="Calibri" panose="020F0502020204030204" pitchFamily="34" charset="0"/>
-                <a:ea typeface="Calibri" panose="020F0502020204030204" pitchFamily="34" charset="0"/>
-                <a:cs typeface="Times New Roman" panose="02020603050405020304" pitchFamily="18" charset="0"/>
-              </a:rPr>
-              <a:t>Leaflet</a:t>
-            </a:r>
-            <a:r>
-              <a:rPr lang="pt-BR" sz="3600" dirty="0">
-                <a:effectLst/>
-                <a:latin typeface="Calibri" panose="020F0502020204030204" pitchFamily="34" charset="0"/>
-                <a:ea typeface="Calibri" panose="020F0502020204030204" pitchFamily="34" charset="0"/>
-                <a:cs typeface="Times New Roman" panose="02020603050405020304" pitchFamily="18" charset="0"/>
-              </a:rPr>
-              <a:t>, permitindo renderizar os resultados obtidos em um mapa.  Já a metodologia, foi toda baseada no Processo de Descoberta de Conhecimento em Bases de Dados (</a:t>
-            </a:r>
-            <a:r>
-              <a:rPr lang="pt-BR" sz="3600" i="1" dirty="0" err="1">
-                <a:effectLst/>
-                <a:latin typeface="Calibri" panose="020F0502020204030204" pitchFamily="34" charset="0"/>
-                <a:ea typeface="Calibri" panose="020F0502020204030204" pitchFamily="34" charset="0"/>
-                <a:cs typeface="Times New Roman" panose="02020603050405020304" pitchFamily="18" charset="0"/>
-              </a:rPr>
-              <a:t>Knowledge</a:t>
-            </a:r>
-            <a:r>
-              <a:rPr lang="pt-BR" sz="3600" i="1" dirty="0">
-                <a:effectLst/>
-                <a:latin typeface="Calibri" panose="020F0502020204030204" pitchFamily="34" charset="0"/>
-                <a:ea typeface="Calibri" panose="020F0502020204030204" pitchFamily="34" charset="0"/>
-                <a:cs typeface="Times New Roman" panose="02020603050405020304" pitchFamily="18" charset="0"/>
-              </a:rPr>
-              <a:t> Discovery in </a:t>
-            </a:r>
-            <a:r>
-              <a:rPr lang="pt-BR" sz="3600" i="1" dirty="0" err="1">
-                <a:effectLst/>
-                <a:latin typeface="Calibri" panose="020F0502020204030204" pitchFamily="34" charset="0"/>
-                <a:ea typeface="Calibri" panose="020F0502020204030204" pitchFamily="34" charset="0"/>
-                <a:cs typeface="Times New Roman" panose="02020603050405020304" pitchFamily="18" charset="0"/>
-              </a:rPr>
-              <a:t>Database</a:t>
-            </a:r>
-            <a:r>
-              <a:rPr lang="pt-BR" sz="3600" i="1" dirty="0">
-                <a:effectLst/>
-                <a:latin typeface="Calibri" panose="020F0502020204030204" pitchFamily="34" charset="0"/>
-                <a:ea typeface="Calibri" panose="020F0502020204030204" pitchFamily="34" charset="0"/>
-                <a:cs typeface="Times New Roman" panose="02020603050405020304" pitchFamily="18" charset="0"/>
-              </a:rPr>
-              <a:t> – KDD</a:t>
-            </a:r>
-            <a:r>
-              <a:rPr lang="pt-BR" sz="3600" dirty="0">
-                <a:effectLst/>
-                <a:latin typeface="Calibri" panose="020F0502020204030204" pitchFamily="34" charset="0"/>
-                <a:ea typeface="Calibri" panose="020F0502020204030204" pitchFamily="34" charset="0"/>
-                <a:cs typeface="Times New Roman" panose="02020603050405020304" pitchFamily="18" charset="0"/>
-              </a:rPr>
-              <a:t>) </a:t>
-            </a:r>
+            <a:endParaRPr lang="pt-BR" sz="3600" dirty="0"/>
           </a:p>
         </p:txBody>
       </p:sp>
@@ -3622,7 +3415,7 @@
         </p:nvSpPr>
         <p:spPr>
           <a:xfrm>
-            <a:off x="16658073" y="33783005"/>
+            <a:off x="16658073" y="31722878"/>
             <a:ext cx="12673012" cy="769441"/>
           </a:xfrm>
           <a:prstGeom prst="rect">
@@ -3666,7 +3459,7 @@
         </p:nvSpPr>
         <p:spPr>
           <a:xfrm>
-            <a:off x="3079725" y="33783005"/>
+            <a:off x="3185652" y="31722877"/>
             <a:ext cx="12673012" cy="769441"/>
           </a:xfrm>
           <a:prstGeom prst="rect">
@@ -3693,12 +3486,258 @@
           </a:p>
         </p:txBody>
       </p:sp>
+      <p:sp>
+        <p:nvSpPr>
+          <p:cNvPr id="17" name="CaixaDeTexto 16">
+            <a:extLst>
+              <a:ext uri="{FF2B5EF4-FFF2-40B4-BE49-F238E27FC236}">
+                <a16:creationId xmlns:a16="http://schemas.microsoft.com/office/drawing/2014/main" id="{48A4D143-61B9-4559-90FE-7658BDF0FC2C}"/>
+              </a:ext>
+            </a:extLst>
+          </p:cNvPr>
+          <p:cNvSpPr txBox="1"/>
+          <p:nvPr/>
+        </p:nvSpPr>
+        <p:spPr>
+          <a:xfrm>
+            <a:off x="3185652" y="22934035"/>
+            <a:ext cx="12673012" cy="769441"/>
+          </a:xfrm>
+          <a:prstGeom prst="rect">
+            <a:avLst/>
+          </a:prstGeom>
+          <a:noFill/>
+          <a:ln w="57150">
+            <a:solidFill>
+              <a:srgbClr val="CE0D0D"/>
+            </a:solidFill>
+          </a:ln>
+        </p:spPr>
+        <p:txBody>
+          <a:bodyPr wrap="square" rtlCol="0">
+            <a:spAutoFit/>
+          </a:bodyPr>
+          <a:lstStyle/>
+          <a:p>
+            <a:pPr algn="ctr"/>
+            <a:r>
+              <a:rPr lang="pt-BR" sz="4400" b="1" dirty="0"/>
+              <a:t>Material e Métodos</a:t>
+            </a:r>
+          </a:p>
+        </p:txBody>
+      </p:sp>
+      <p:sp>
+        <p:nvSpPr>
+          <p:cNvPr id="21" name="CaixaDeTexto 20">
+            <a:extLst>
+              <a:ext uri="{FF2B5EF4-FFF2-40B4-BE49-F238E27FC236}">
+                <a16:creationId xmlns:a16="http://schemas.microsoft.com/office/drawing/2014/main" id="{FADB8CF3-552B-48C5-A3E1-CE1C78329E3E}"/>
+              </a:ext>
+            </a:extLst>
+          </p:cNvPr>
+          <p:cNvSpPr txBox="1"/>
+          <p:nvPr/>
+        </p:nvSpPr>
+        <p:spPr>
+          <a:xfrm>
+            <a:off x="3185652" y="18940474"/>
+            <a:ext cx="12673012" cy="769441"/>
+          </a:xfrm>
+          <a:prstGeom prst="rect">
+            <a:avLst/>
+          </a:prstGeom>
+          <a:noFill/>
+          <a:ln w="57150">
+            <a:solidFill>
+              <a:srgbClr val="CE0D0D"/>
+            </a:solidFill>
+          </a:ln>
+        </p:spPr>
+        <p:txBody>
+          <a:bodyPr wrap="square" rtlCol="0">
+            <a:spAutoFit/>
+          </a:bodyPr>
+          <a:lstStyle/>
+          <a:p>
+            <a:pPr algn="ctr"/>
+            <a:r>
+              <a:rPr lang="pt-BR" sz="4400" b="1" dirty="0"/>
+              <a:t>Objetivos</a:t>
+            </a:r>
+          </a:p>
+        </p:txBody>
+      </p:sp>
+      <p:sp>
+        <p:nvSpPr>
+          <p:cNvPr id="22" name="CaixaDeTexto 21">
+            <a:extLst>
+              <a:ext uri="{FF2B5EF4-FFF2-40B4-BE49-F238E27FC236}">
+                <a16:creationId xmlns:a16="http://schemas.microsoft.com/office/drawing/2014/main" id="{A637777B-8C5D-4E73-A4FC-76281434AD9E}"/>
+              </a:ext>
+            </a:extLst>
+          </p:cNvPr>
+          <p:cNvSpPr txBox="1"/>
+          <p:nvPr/>
+        </p:nvSpPr>
+        <p:spPr>
+          <a:xfrm>
+            <a:off x="3072965" y="12177471"/>
+            <a:ext cx="12673012" cy="769441"/>
+          </a:xfrm>
+          <a:prstGeom prst="rect">
+            <a:avLst/>
+          </a:prstGeom>
+          <a:noFill/>
+          <a:ln w="57150">
+            <a:solidFill>
+              <a:srgbClr val="CE0D0D"/>
+            </a:solidFill>
+          </a:ln>
+        </p:spPr>
+        <p:txBody>
+          <a:bodyPr wrap="square" rtlCol="0">
+            <a:spAutoFit/>
+          </a:bodyPr>
+          <a:lstStyle/>
+          <a:p>
+            <a:pPr algn="ctr"/>
+            <a:r>
+              <a:rPr lang="pt-BR" sz="4400" b="1" dirty="0"/>
+              <a:t>Introdução</a:t>
+            </a:r>
+          </a:p>
+        </p:txBody>
+      </p:sp>
+      <p:sp>
+        <p:nvSpPr>
+          <p:cNvPr id="23" name="CaixaDeTexto 22">
+            <a:extLst>
+              <a:ext uri="{FF2B5EF4-FFF2-40B4-BE49-F238E27FC236}">
+                <a16:creationId xmlns:a16="http://schemas.microsoft.com/office/drawing/2014/main" id="{6B930DBF-B16F-49CD-A0D5-1AD61759A1E7}"/>
+              </a:ext>
+            </a:extLst>
+          </p:cNvPr>
+          <p:cNvSpPr txBox="1"/>
+          <p:nvPr/>
+        </p:nvSpPr>
+        <p:spPr>
+          <a:xfrm>
+            <a:off x="16610364" y="22986186"/>
+            <a:ext cx="12673012" cy="769441"/>
+          </a:xfrm>
+          <a:prstGeom prst="rect">
+            <a:avLst/>
+          </a:prstGeom>
+          <a:noFill/>
+          <a:ln w="57150">
+            <a:solidFill>
+              <a:srgbClr val="CE0D0D"/>
+            </a:solidFill>
+          </a:ln>
+        </p:spPr>
+        <p:txBody>
+          <a:bodyPr wrap="square" rtlCol="0">
+            <a:spAutoFit/>
+          </a:bodyPr>
+          <a:lstStyle/>
+          <a:p>
+            <a:pPr algn="ctr"/>
+            <a:r>
+              <a:rPr lang="pt-BR" sz="4400" b="1" dirty="0"/>
+              <a:t>Bibliografia</a:t>
+            </a:r>
+          </a:p>
+        </p:txBody>
+      </p:sp>
+      <p:sp>
+        <p:nvSpPr>
+          <p:cNvPr id="24" name="CaixaDeTexto 23">
+            <a:extLst>
+              <a:ext uri="{FF2B5EF4-FFF2-40B4-BE49-F238E27FC236}">
+                <a16:creationId xmlns:a16="http://schemas.microsoft.com/office/drawing/2014/main" id="{0AA28B6D-9A79-4A7D-A11C-4DF634245041}"/>
+              </a:ext>
+            </a:extLst>
+          </p:cNvPr>
+          <p:cNvSpPr txBox="1"/>
+          <p:nvPr/>
+        </p:nvSpPr>
+        <p:spPr>
+          <a:xfrm>
+            <a:off x="16497677" y="16836139"/>
+            <a:ext cx="12673012" cy="769441"/>
+          </a:xfrm>
+          <a:prstGeom prst="rect">
+            <a:avLst/>
+          </a:prstGeom>
+          <a:noFill/>
+          <a:ln w="57150">
+            <a:solidFill>
+              <a:srgbClr val="CE0D0D"/>
+            </a:solidFill>
+          </a:ln>
+        </p:spPr>
+        <p:txBody>
+          <a:bodyPr wrap="square" rtlCol="0">
+            <a:spAutoFit/>
+          </a:bodyPr>
+          <a:lstStyle/>
+          <a:p>
+            <a:pPr algn="ctr"/>
+            <a:r>
+              <a:rPr lang="pt-BR" sz="4400" b="1" dirty="0"/>
+              <a:t>Conclusões</a:t>
+            </a:r>
+          </a:p>
+        </p:txBody>
+      </p:sp>
+      <p:sp>
+        <p:nvSpPr>
+          <p:cNvPr id="25" name="CaixaDeTexto 24">
+            <a:extLst>
+              <a:ext uri="{FF2B5EF4-FFF2-40B4-BE49-F238E27FC236}">
+                <a16:creationId xmlns:a16="http://schemas.microsoft.com/office/drawing/2014/main" id="{EDFCD45F-1C00-4DC4-A39B-6186DB48E18F}"/>
+              </a:ext>
+            </a:extLst>
+          </p:cNvPr>
+          <p:cNvSpPr txBox="1"/>
+          <p:nvPr/>
+        </p:nvSpPr>
+        <p:spPr>
+          <a:xfrm>
+            <a:off x="16545386" y="12171757"/>
+            <a:ext cx="12673012" cy="769441"/>
+          </a:xfrm>
+          <a:prstGeom prst="rect">
+            <a:avLst/>
+          </a:prstGeom>
+          <a:noFill/>
+          <a:ln w="57150">
+            <a:solidFill>
+              <a:srgbClr val="CE0D0D"/>
+            </a:solidFill>
+          </a:ln>
+        </p:spPr>
+        <p:txBody>
+          <a:bodyPr wrap="square" rtlCol="0">
+            <a:spAutoFit/>
+          </a:bodyPr>
+          <a:lstStyle/>
+          <a:p>
+            <a:pPr algn="ctr"/>
+            <a:r>
+              <a:rPr lang="pt-BR" sz="4400" b="1" dirty="0"/>
+              <a:t>Resultados e Discussão</a:t>
+            </a:r>
+          </a:p>
+        </p:txBody>
+      </p:sp>
       <p:pic>
         <p:nvPicPr>
           <p:cNvPr id="3" name="Imagem 2" descr="Mapa&#10;&#10;Descrição gerada automaticamente">
             <a:extLst>
               <a:ext uri="{FF2B5EF4-FFF2-40B4-BE49-F238E27FC236}">
-                <a16:creationId xmlns:a16="http://schemas.microsoft.com/office/drawing/2014/main" id="{07ECA5AF-A874-2CD8-F766-67FA25D8FD51}"/>
+                <a16:creationId xmlns:a16="http://schemas.microsoft.com/office/drawing/2014/main" id="{3E9B872A-2B9E-9F48-4B17-438E8A420BFD}"/>
               </a:ext>
             </a:extLst>
           </p:cNvPr>
@@ -3721,8 +3760,116 @@
         </p:blipFill>
         <p:spPr>
           <a:xfrm>
-            <a:off x="19291910" y="25902036"/>
+            <a:off x="19682174" y="23976040"/>
             <a:ext cx="7405338" cy="7473852"/>
+          </a:xfrm>
+          <a:prstGeom prst="rect">
+            <a:avLst/>
+          </a:prstGeom>
+        </p:spPr>
+      </p:pic>
+      <p:pic>
+        <p:nvPicPr>
+          <p:cNvPr id="4" name="Imagem 3" descr="Logotipo, nome da empresa&#10;&#10;Descrição gerada automaticamente">
+            <a:extLst>
+              <a:ext uri="{FF2B5EF4-FFF2-40B4-BE49-F238E27FC236}">
+                <a16:creationId xmlns:a16="http://schemas.microsoft.com/office/drawing/2014/main" id="{7FEA2423-4201-8A8C-10BC-915C3EE2DB51}"/>
+              </a:ext>
+            </a:extLst>
+          </p:cNvPr>
+          <p:cNvPicPr>
+            <a:picLocks noChangeAspect="1"/>
+          </p:cNvPicPr>
+          <p:nvPr/>
+        </p:nvPicPr>
+        <p:blipFill>
+          <a:blip r:embed="rId4">
+            <a:extLst>
+              <a:ext uri="{28A0092B-C50C-407E-A947-70E740481C1C}">
+                <a14:useLocalDpi xmlns:a14="http://schemas.microsoft.com/office/drawing/2010/main" val="0"/>
+              </a:ext>
+            </a:extLst>
+          </a:blip>
+          <a:stretch>
+            <a:fillRect/>
+          </a:stretch>
+        </p:blipFill>
+        <p:spPr>
+          <a:xfrm>
+            <a:off x="7424769" y="32897687"/>
+            <a:ext cx="3430045" cy="2572534"/>
+          </a:xfrm>
+          <a:prstGeom prst="rect">
+            <a:avLst/>
+          </a:prstGeom>
+        </p:spPr>
+      </p:pic>
+      <p:pic>
+        <p:nvPicPr>
+          <p:cNvPr id="8" name="Imagem 7" descr="Diagrama&#10;&#10;Descrição gerada automaticamente">
+            <a:extLst>
+              <a:ext uri="{FF2B5EF4-FFF2-40B4-BE49-F238E27FC236}">
+                <a16:creationId xmlns:a16="http://schemas.microsoft.com/office/drawing/2014/main" id="{3DDB45E3-BC8F-3A86-A9A6-619E0454A888}"/>
+              </a:ext>
+            </a:extLst>
+          </p:cNvPr>
+          <p:cNvPicPr>
+            <a:picLocks noChangeAspect="1"/>
+          </p:cNvPicPr>
+          <p:nvPr/>
+        </p:nvPicPr>
+        <p:blipFill>
+          <a:blip r:embed="rId5">
+            <a:extLst>
+              <a:ext uri="{28A0092B-C50C-407E-A947-70E740481C1C}">
+                <a14:useLocalDpi xmlns:a14="http://schemas.microsoft.com/office/drawing/2010/main" val="0"/>
+              </a:ext>
+            </a:extLst>
+          </a:blip>
+          <a:stretch>
+            <a:fillRect/>
+          </a:stretch>
+        </p:blipFill>
+        <p:spPr>
+          <a:xfrm>
+            <a:off x="20627017" y="32765304"/>
+            <a:ext cx="5095561" cy="2837301"/>
+          </a:xfrm>
+          <a:prstGeom prst="rect">
+            <a:avLst/>
+          </a:prstGeom>
+        </p:spPr>
+      </p:pic>
+      <p:pic>
+        <p:nvPicPr>
+          <p:cNvPr id="20" name="Imagem 19" descr="Diagrama&#10;&#10;Descrição gerada automaticamente">
+            <a:extLst>
+              <a:ext uri="{FF2B5EF4-FFF2-40B4-BE49-F238E27FC236}">
+                <a16:creationId xmlns:a16="http://schemas.microsoft.com/office/drawing/2014/main" id="{97C4A61F-3286-88B8-FC59-714975AE096D}"/>
+              </a:ext>
+            </a:extLst>
+          </p:cNvPr>
+          <p:cNvPicPr>
+            <a:picLocks noChangeAspect="1"/>
+          </p:cNvPicPr>
+          <p:nvPr/>
+        </p:nvPicPr>
+        <p:blipFill>
+          <a:blip r:embed="rId6">
+            <a:extLst>
+              <a:ext uri="{28A0092B-C50C-407E-A947-70E740481C1C}">
+                <a14:useLocalDpi xmlns:a14="http://schemas.microsoft.com/office/drawing/2010/main" val="0"/>
+              </a:ext>
+            </a:extLst>
+          </a:blip>
+          <a:stretch>
+            <a:fillRect/>
+          </a:stretch>
+        </p:blipFill>
+        <p:spPr>
+          <a:xfrm>
+            <a:off x="3070726" y="25126783"/>
+            <a:ext cx="12573125" cy="5564232"/>
           </a:xfrm>
           <a:prstGeom prst="rect">
             <a:avLst/>
